--- a/20181130-20181207-张雁君.pptx
+++ b/20181130-20181207-张雁君.pptx
@@ -7,6 +7,8 @@
   <p:sldIdLst>
     <p:sldId id="256" r:id="rId2"/>
     <p:sldId id="257" r:id="rId3"/>
+    <p:sldId id="258" r:id="rId4"/>
+    <p:sldId id="259" r:id="rId5"/>
   </p:sldIdLst>
   <p:sldSz cx="12192000" cy="6858000"/>
   <p:notesSz cx="6858000" cy="9144000"/>
@@ -105,6 +107,11 @@
       </a:defRPr>
     </a:lvl9pPr>
   </p:defaultTextStyle>
+  <p:extLst>
+    <p:ext uri="{EFAFB233-063F-42B5-8137-9DF3F51BA10A}">
+      <p15:sldGuideLst xmlns:p15="http://schemas.microsoft.com/office/powerpoint/2012/main"/>
+    </p:ext>
+  </p:extLst>
 </p:presentation>
 </file>
 
@@ -255,7 +262,7 @@
           <a:p>
             <a:fld id="{E670BFBD-2339-4032-8838-2ADB06E02068}" type="datetimeFigureOut">
               <a:rPr lang="zh-CN" altLang="en-US" smtClean="0"/>
-              <a:t>2018/12/5</a:t>
+              <a:t>2018/12/6</a:t>
             </a:fld>
             <a:endParaRPr lang="zh-CN" altLang="en-US"/>
           </a:p>
@@ -453,7 +460,7 @@
           <a:p>
             <a:fld id="{E670BFBD-2339-4032-8838-2ADB06E02068}" type="datetimeFigureOut">
               <a:rPr lang="zh-CN" altLang="en-US" smtClean="0"/>
-              <a:t>2018/12/5</a:t>
+              <a:t>2018/12/6</a:t>
             </a:fld>
             <a:endParaRPr lang="zh-CN" altLang="en-US"/>
           </a:p>
@@ -661,7 +668,7 @@
           <a:p>
             <a:fld id="{E670BFBD-2339-4032-8838-2ADB06E02068}" type="datetimeFigureOut">
               <a:rPr lang="zh-CN" altLang="en-US" smtClean="0"/>
-              <a:t>2018/12/5</a:t>
+              <a:t>2018/12/6</a:t>
             </a:fld>
             <a:endParaRPr lang="zh-CN" altLang="en-US"/>
           </a:p>
@@ -859,7 +866,7 @@
           <a:p>
             <a:fld id="{E670BFBD-2339-4032-8838-2ADB06E02068}" type="datetimeFigureOut">
               <a:rPr lang="zh-CN" altLang="en-US" smtClean="0"/>
-              <a:t>2018/12/5</a:t>
+              <a:t>2018/12/6</a:t>
             </a:fld>
             <a:endParaRPr lang="zh-CN" altLang="en-US"/>
           </a:p>
@@ -1134,7 +1141,7 @@
           <a:p>
             <a:fld id="{E670BFBD-2339-4032-8838-2ADB06E02068}" type="datetimeFigureOut">
               <a:rPr lang="zh-CN" altLang="en-US" smtClean="0"/>
-              <a:t>2018/12/5</a:t>
+              <a:t>2018/12/6</a:t>
             </a:fld>
             <a:endParaRPr lang="zh-CN" altLang="en-US"/>
           </a:p>
@@ -1399,7 +1406,7 @@
           <a:p>
             <a:fld id="{E670BFBD-2339-4032-8838-2ADB06E02068}" type="datetimeFigureOut">
               <a:rPr lang="zh-CN" altLang="en-US" smtClean="0"/>
-              <a:t>2018/12/5</a:t>
+              <a:t>2018/12/6</a:t>
             </a:fld>
             <a:endParaRPr lang="zh-CN" altLang="en-US"/>
           </a:p>
@@ -1811,7 +1818,7 @@
           <a:p>
             <a:fld id="{E670BFBD-2339-4032-8838-2ADB06E02068}" type="datetimeFigureOut">
               <a:rPr lang="zh-CN" altLang="en-US" smtClean="0"/>
-              <a:t>2018/12/5</a:t>
+              <a:t>2018/12/6</a:t>
             </a:fld>
             <a:endParaRPr lang="zh-CN" altLang="en-US"/>
           </a:p>
@@ -1952,7 +1959,7 @@
           <a:p>
             <a:fld id="{E670BFBD-2339-4032-8838-2ADB06E02068}" type="datetimeFigureOut">
               <a:rPr lang="zh-CN" altLang="en-US" smtClean="0"/>
-              <a:t>2018/12/5</a:t>
+              <a:t>2018/12/6</a:t>
             </a:fld>
             <a:endParaRPr lang="zh-CN" altLang="en-US"/>
           </a:p>
@@ -2065,7 +2072,7 @@
           <a:p>
             <a:fld id="{E670BFBD-2339-4032-8838-2ADB06E02068}" type="datetimeFigureOut">
               <a:rPr lang="zh-CN" altLang="en-US" smtClean="0"/>
-              <a:t>2018/12/5</a:t>
+              <a:t>2018/12/6</a:t>
             </a:fld>
             <a:endParaRPr lang="zh-CN" altLang="en-US"/>
           </a:p>
@@ -2376,7 +2383,7 @@
           <a:p>
             <a:fld id="{E670BFBD-2339-4032-8838-2ADB06E02068}" type="datetimeFigureOut">
               <a:rPr lang="zh-CN" altLang="en-US" smtClean="0"/>
-              <a:t>2018/12/5</a:t>
+              <a:t>2018/12/6</a:t>
             </a:fld>
             <a:endParaRPr lang="zh-CN" altLang="en-US"/>
           </a:p>
@@ -2664,7 +2671,7 @@
           <a:p>
             <a:fld id="{E670BFBD-2339-4032-8838-2ADB06E02068}" type="datetimeFigureOut">
               <a:rPr lang="zh-CN" altLang="en-US" smtClean="0"/>
-              <a:t>2018/12/5</a:t>
+              <a:t>2018/12/6</a:t>
             </a:fld>
             <a:endParaRPr lang="zh-CN" altLang="en-US"/>
           </a:p>
@@ -2905,7 +2912,7 @@
           <a:p>
             <a:fld id="{E670BFBD-2339-4032-8838-2ADB06E02068}" type="datetimeFigureOut">
               <a:rPr lang="zh-CN" altLang="en-US" smtClean="0"/>
-              <a:t>2018/12/5</a:t>
+              <a:t>2018/12/6</a:t>
             </a:fld>
             <a:endParaRPr lang="zh-CN" altLang="en-US"/>
           </a:p>
@@ -3832,10 +3839,435 @@
           </a:prstGeom>
         </p:spPr>
       </p:pic>
+      <p:pic>
+        <p:nvPicPr>
+          <p:cNvPr id="2" name="图片 1">
+            <a:extLst>
+              <a:ext uri="{FF2B5EF4-FFF2-40B4-BE49-F238E27FC236}">
+                <a16:creationId xmlns:a16="http://schemas.microsoft.com/office/drawing/2014/main" id="{53ED8536-0C03-4A44-B6DE-B406CB2BE5CB}"/>
+              </a:ext>
+            </a:extLst>
+          </p:cNvPr>
+          <p:cNvPicPr>
+            <a:picLocks noChangeAspect="1"/>
+          </p:cNvPicPr>
+          <p:nvPr/>
+        </p:nvPicPr>
+        <p:blipFill>
+          <a:blip r:embed="rId7"/>
+          <a:stretch>
+            <a:fillRect/>
+          </a:stretch>
+        </p:blipFill>
+        <p:spPr>
+          <a:xfrm>
+            <a:off x="10290289" y="3429000"/>
+            <a:ext cx="1038225" cy="1905000"/>
+          </a:xfrm>
+          <a:prstGeom prst="rect">
+            <a:avLst/>
+          </a:prstGeom>
+        </p:spPr>
+      </p:pic>
+      <p:sp>
+        <p:nvSpPr>
+          <p:cNvPr id="3" name="文本框 2">
+            <a:extLst>
+              <a:ext uri="{FF2B5EF4-FFF2-40B4-BE49-F238E27FC236}">
+                <a16:creationId xmlns:a16="http://schemas.microsoft.com/office/drawing/2014/main" id="{4E563CCD-F45F-4921-BA8C-AAC7DE00069A}"/>
+              </a:ext>
+            </a:extLst>
+          </p:cNvPr>
+          <p:cNvSpPr txBox="1"/>
+          <p:nvPr/>
+        </p:nvSpPr>
+        <p:spPr>
+          <a:xfrm>
+            <a:off x="9487568" y="3429000"/>
+            <a:ext cx="693379" cy="646331"/>
+          </a:xfrm>
+          <a:prstGeom prst="rect">
+            <a:avLst/>
+          </a:prstGeom>
+          <a:noFill/>
+        </p:spPr>
+        <p:txBody>
+          <a:bodyPr wrap="square" rtlCol="0">
+            <a:spAutoFit/>
+          </a:bodyPr>
+          <a:lstStyle/>
+          <a:p>
+            <a:r>
+              <a:rPr lang="zh-CN" altLang="en-US" dirty="0"/>
+              <a:t>运行结果：</a:t>
+            </a:r>
+          </a:p>
+        </p:txBody>
+      </p:sp>
+      <p:sp>
+        <p:nvSpPr>
+          <p:cNvPr id="8" name="文本框 7">
+            <a:extLst>
+              <a:ext uri="{FF2B5EF4-FFF2-40B4-BE49-F238E27FC236}">
+                <a16:creationId xmlns:a16="http://schemas.microsoft.com/office/drawing/2014/main" id="{390C0BEE-04EC-4B30-8459-71634FF00B35}"/>
+              </a:ext>
+            </a:extLst>
+          </p:cNvPr>
+          <p:cNvSpPr txBox="1"/>
+          <p:nvPr/>
+        </p:nvSpPr>
+        <p:spPr>
+          <a:xfrm>
+            <a:off x="5052767" y="3429000"/>
+            <a:ext cx="2809188" cy="2585323"/>
+          </a:xfrm>
+          <a:prstGeom prst="rect">
+            <a:avLst/>
+          </a:prstGeom>
+          <a:noFill/>
+        </p:spPr>
+        <p:txBody>
+          <a:bodyPr wrap="square" rtlCol="0">
+            <a:spAutoFit/>
+          </a:bodyPr>
+          <a:lstStyle/>
+          <a:p>
+            <a:r>
+              <a:rPr lang="zh-CN" altLang="en-US" dirty="0"/>
+              <a:t>思路：递归结束的条件，当起点的横纵坐标与终点的横纵坐标相等时，递归结束。在程序执行过程中，需不断搜索可走路径，当搜索到可以走的路径时，步数加一，在执行过程中需判断已经走过的路程是否比当前路程长。</a:t>
+            </a:r>
+          </a:p>
+        </p:txBody>
+      </p:sp>
     </p:spTree>
     <p:extLst>
       <p:ext uri="{BB962C8B-B14F-4D97-AF65-F5344CB8AC3E}">
         <p14:creationId xmlns:p14="http://schemas.microsoft.com/office/powerpoint/2010/main" val="1238747679"/>
+      </p:ext>
+    </p:extLst>
+  </p:cSld>
+  <p:clrMapOvr>
+    <a:masterClrMapping/>
+  </p:clrMapOvr>
+</p:sld>
+</file>
+
+<file path=ppt/slides/slide3.xml><?xml version="1.0" encoding="utf-8"?>
+<p:sld xmlns:a="http://schemas.openxmlformats.org/drawingml/2006/main" xmlns:r="http://schemas.openxmlformats.org/officeDocument/2006/relationships" xmlns:p="http://schemas.openxmlformats.org/presentationml/2006/main">
+  <p:cSld>
+    <p:spTree>
+      <p:nvGrpSpPr>
+        <p:cNvPr id="1" name=""/>
+        <p:cNvGrpSpPr/>
+        <p:nvPr/>
+      </p:nvGrpSpPr>
+      <p:grpSpPr>
+        <a:xfrm>
+          <a:off x="0" y="0"/>
+          <a:ext cx="0" cy="0"/>
+          <a:chOff x="0" y="0"/>
+          <a:chExt cx="0" cy="0"/>
+        </a:xfrm>
+      </p:grpSpPr>
+      <p:pic>
+        <p:nvPicPr>
+          <p:cNvPr id="4" name="图片 3">
+            <a:extLst>
+              <a:ext uri="{FF2B5EF4-FFF2-40B4-BE49-F238E27FC236}">
+                <a16:creationId xmlns:a16="http://schemas.microsoft.com/office/drawing/2014/main" id="{E4F8C6F1-7A5A-4EC0-A4B6-D1F58B4DDD06}"/>
+              </a:ext>
+            </a:extLst>
+          </p:cNvPr>
+          <p:cNvPicPr>
+            <a:picLocks noChangeAspect="1"/>
+          </p:cNvPicPr>
+          <p:nvPr/>
+        </p:nvPicPr>
+        <p:blipFill>
+          <a:blip r:embed="rId2"/>
+          <a:stretch>
+            <a:fillRect/>
+          </a:stretch>
+        </p:blipFill>
+        <p:spPr>
+          <a:xfrm>
+            <a:off x="0" y="1088335"/>
+            <a:ext cx="4427593" cy="3080359"/>
+          </a:xfrm>
+          <a:prstGeom prst="rect">
+            <a:avLst/>
+          </a:prstGeom>
+        </p:spPr>
+      </p:pic>
+      <p:pic>
+        <p:nvPicPr>
+          <p:cNvPr id="5" name="图片 4">
+            <a:extLst>
+              <a:ext uri="{FF2B5EF4-FFF2-40B4-BE49-F238E27FC236}">
+                <a16:creationId xmlns:a16="http://schemas.microsoft.com/office/drawing/2014/main" id="{BB53D8B5-3217-47BC-B006-BB8E8DAFF194}"/>
+              </a:ext>
+            </a:extLst>
+          </p:cNvPr>
+          <p:cNvPicPr>
+            <a:picLocks noChangeAspect="1"/>
+          </p:cNvPicPr>
+          <p:nvPr/>
+        </p:nvPicPr>
+        <p:blipFill>
+          <a:blip r:embed="rId3"/>
+          <a:stretch>
+            <a:fillRect/>
+          </a:stretch>
+        </p:blipFill>
+        <p:spPr>
+          <a:xfrm>
+            <a:off x="-43924" y="4161732"/>
+            <a:ext cx="4471517" cy="2670042"/>
+          </a:xfrm>
+          <a:prstGeom prst="rect">
+            <a:avLst/>
+          </a:prstGeom>
+        </p:spPr>
+      </p:pic>
+      <p:pic>
+        <p:nvPicPr>
+          <p:cNvPr id="6" name="图片 5">
+            <a:extLst>
+              <a:ext uri="{FF2B5EF4-FFF2-40B4-BE49-F238E27FC236}">
+                <a16:creationId xmlns:a16="http://schemas.microsoft.com/office/drawing/2014/main" id="{CAA2B995-62A3-4901-B064-A29AFBDF874E}"/>
+              </a:ext>
+            </a:extLst>
+          </p:cNvPr>
+          <p:cNvPicPr>
+            <a:picLocks noChangeAspect="1"/>
+          </p:cNvPicPr>
+          <p:nvPr/>
+        </p:nvPicPr>
+        <p:blipFill>
+          <a:blip r:embed="rId4"/>
+          <a:stretch>
+            <a:fillRect/>
+          </a:stretch>
+        </p:blipFill>
+        <p:spPr>
+          <a:xfrm>
+            <a:off x="1027522" y="67673"/>
+            <a:ext cx="11034716" cy="1005927"/>
+          </a:xfrm>
+          <a:prstGeom prst="rect">
+            <a:avLst/>
+          </a:prstGeom>
+        </p:spPr>
+      </p:pic>
+      <p:sp>
+        <p:nvSpPr>
+          <p:cNvPr id="7" name="文本框 6">
+            <a:extLst>
+              <a:ext uri="{FF2B5EF4-FFF2-40B4-BE49-F238E27FC236}">
+                <a16:creationId xmlns:a16="http://schemas.microsoft.com/office/drawing/2014/main" id="{79558D11-A19E-4E4A-BB55-53F9B365C16A}"/>
+              </a:ext>
+            </a:extLst>
+          </p:cNvPr>
+          <p:cNvSpPr txBox="1"/>
+          <p:nvPr/>
+        </p:nvSpPr>
+        <p:spPr>
+          <a:xfrm>
+            <a:off x="0" y="122548"/>
+            <a:ext cx="1121790" cy="369332"/>
+          </a:xfrm>
+          <a:prstGeom prst="rect">
+            <a:avLst/>
+          </a:prstGeom>
+          <a:noFill/>
+        </p:spPr>
+        <p:txBody>
+          <a:bodyPr wrap="square" rtlCol="0">
+            <a:spAutoFit/>
+          </a:bodyPr>
+          <a:lstStyle/>
+          <a:p>
+            <a:r>
+              <a:rPr lang="zh-CN" altLang="en-US" dirty="0"/>
+              <a:t>分解因数</a:t>
+            </a:r>
+          </a:p>
+        </p:txBody>
+      </p:sp>
+      <p:sp>
+        <p:nvSpPr>
+          <p:cNvPr id="8" name="文本框 7">
+            <a:extLst>
+              <a:ext uri="{FF2B5EF4-FFF2-40B4-BE49-F238E27FC236}">
+                <a16:creationId xmlns:a16="http://schemas.microsoft.com/office/drawing/2014/main" id="{5CB0A0DF-A6A2-4136-B19B-2541A4ABDA52}"/>
+              </a:ext>
+            </a:extLst>
+          </p:cNvPr>
+          <p:cNvSpPr txBox="1"/>
+          <p:nvPr/>
+        </p:nvSpPr>
+        <p:spPr>
+          <a:xfrm>
+            <a:off x="5486400" y="3770722"/>
+            <a:ext cx="4232635" cy="1477328"/>
+          </a:xfrm>
+          <a:prstGeom prst="rect">
+            <a:avLst/>
+          </a:prstGeom>
+          <a:noFill/>
+        </p:spPr>
+        <p:txBody>
+          <a:bodyPr wrap="square" rtlCol="0">
+            <a:spAutoFit/>
+          </a:bodyPr>
+          <a:lstStyle/>
+          <a:p>
+            <a:r>
+              <a:rPr lang="zh-CN" altLang="en-US" dirty="0"/>
+              <a:t>思路：从遍历</a:t>
+            </a:r>
+            <a:r>
+              <a:rPr lang="en-US" altLang="zh-CN" dirty="0"/>
+              <a:t>2</a:t>
+            </a:r>
+            <a:r>
+              <a:rPr lang="zh-CN" altLang="en-US" dirty="0"/>
+              <a:t>到给定的正整数，若给定数字能整出遍历的数字，且被遍历的数字小于</a:t>
+            </a:r>
+            <a:r>
+              <a:rPr lang="en-US" altLang="zh-CN" dirty="0"/>
+              <a:t>b/</a:t>
+            </a:r>
+            <a:r>
+              <a:rPr lang="en-US" altLang="zh-CN" dirty="0" err="1"/>
+              <a:t>i</a:t>
+            </a:r>
+            <a:r>
+              <a:rPr lang="zh-CN" altLang="en-US" dirty="0"/>
+              <a:t>，则算一次分解方式，对计数器加一，在这个判断中递归，若</a:t>
+            </a:r>
+            <a:r>
+              <a:rPr lang="en-US" altLang="zh-CN" dirty="0" err="1"/>
+              <a:t>i</a:t>
+            </a:r>
+            <a:r>
+              <a:rPr lang="zh-CN" altLang="en-US" dirty="0"/>
+              <a:t>比</a:t>
+            </a:r>
+            <a:r>
+              <a:rPr lang="en-US" altLang="zh-CN" dirty="0"/>
+              <a:t>b/</a:t>
+            </a:r>
+            <a:r>
+              <a:rPr lang="en-US" altLang="zh-CN" dirty="0" err="1"/>
+              <a:t>i</a:t>
+            </a:r>
+            <a:r>
+              <a:rPr lang="zh-CN" altLang="en-US" dirty="0"/>
+              <a:t>大结束递归，输出计数器</a:t>
+            </a:r>
+          </a:p>
+        </p:txBody>
+      </p:sp>
+      <p:pic>
+        <p:nvPicPr>
+          <p:cNvPr id="9" name="图片 8">
+            <a:extLst>
+              <a:ext uri="{FF2B5EF4-FFF2-40B4-BE49-F238E27FC236}">
+                <a16:creationId xmlns:a16="http://schemas.microsoft.com/office/drawing/2014/main" id="{6DEFE084-0381-49CE-A803-687638846345}"/>
+              </a:ext>
+            </a:extLst>
+          </p:cNvPr>
+          <p:cNvPicPr>
+            <a:picLocks noChangeAspect="1"/>
+          </p:cNvPicPr>
+          <p:nvPr/>
+        </p:nvPicPr>
+        <p:blipFill>
+          <a:blip r:embed="rId5"/>
+          <a:stretch>
+            <a:fillRect/>
+          </a:stretch>
+        </p:blipFill>
+        <p:spPr>
+          <a:xfrm>
+            <a:off x="5147228" y="1392810"/>
+            <a:ext cx="1897544" cy="1562235"/>
+          </a:xfrm>
+          <a:prstGeom prst="rect">
+            <a:avLst/>
+          </a:prstGeom>
+        </p:spPr>
+      </p:pic>
+    </p:spTree>
+    <p:extLst>
+      <p:ext uri="{BB962C8B-B14F-4D97-AF65-F5344CB8AC3E}">
+        <p14:creationId xmlns:p14="http://schemas.microsoft.com/office/powerpoint/2010/main" val="227697388"/>
+      </p:ext>
+    </p:extLst>
+  </p:cSld>
+  <p:clrMapOvr>
+    <a:masterClrMapping/>
+  </p:clrMapOvr>
+</p:sld>
+</file>
+
+<file path=ppt/slides/slide4.xml><?xml version="1.0" encoding="utf-8"?>
+<p:sld xmlns:a="http://schemas.openxmlformats.org/drawingml/2006/main" xmlns:r="http://schemas.openxmlformats.org/officeDocument/2006/relationships" xmlns:p="http://schemas.openxmlformats.org/presentationml/2006/main">
+  <p:cSld>
+    <p:spTree>
+      <p:nvGrpSpPr>
+        <p:cNvPr id="1" name=""/>
+        <p:cNvGrpSpPr/>
+        <p:nvPr/>
+      </p:nvGrpSpPr>
+      <p:grpSpPr>
+        <a:xfrm>
+          <a:off x="0" y="0"/>
+          <a:ext cx="0" cy="0"/>
+          <a:chOff x="0" y="0"/>
+          <a:chExt cx="0" cy="0"/>
+        </a:xfrm>
+      </p:grpSpPr>
+      <p:sp>
+        <p:nvSpPr>
+          <p:cNvPr id="4" name="文本框 3">
+            <a:extLst>
+              <a:ext uri="{FF2B5EF4-FFF2-40B4-BE49-F238E27FC236}">
+                <a16:creationId xmlns:a16="http://schemas.microsoft.com/office/drawing/2014/main" id="{04231F8F-5FA3-4B16-BC01-7A197FF16420}"/>
+              </a:ext>
+            </a:extLst>
+          </p:cNvPr>
+          <p:cNvSpPr txBox="1"/>
+          <p:nvPr/>
+        </p:nvSpPr>
+        <p:spPr>
+          <a:xfrm>
+            <a:off x="461913" y="358219"/>
+            <a:ext cx="1187778" cy="369332"/>
+          </a:xfrm>
+          <a:prstGeom prst="rect">
+            <a:avLst/>
+          </a:prstGeom>
+          <a:noFill/>
+        </p:spPr>
+        <p:txBody>
+          <a:bodyPr wrap="square" rtlCol="0">
+            <a:spAutoFit/>
+          </a:bodyPr>
+          <a:lstStyle/>
+          <a:p>
+            <a:r>
+              <a:rPr lang="zh-CN" altLang="en-US" dirty="0"/>
+              <a:t>八皇后</a:t>
+            </a:r>
+          </a:p>
+        </p:txBody>
+      </p:sp>
+    </p:spTree>
+    <p:extLst>
+      <p:ext uri="{BB962C8B-B14F-4D97-AF65-F5344CB8AC3E}">
+        <p14:creationId xmlns:p14="http://schemas.microsoft.com/office/powerpoint/2010/main" val="3448861348"/>
       </p:ext>
     </p:extLst>
   </p:cSld>
